--- a/application/WebAR/markers/marker.pptx
+++ b/application/WebAR/markers/marker.pptx
@@ -6,6 +6,7 @@
   </p:sldMasterIdLst>
   <p:sldIdLst>
     <p:sldId id="256" r:id="rId2"/>
+    <p:sldId id="257" r:id="rId3"/>
   </p:sldIdLst>
   <p:sldSz cx="2541588" cy="2541588"/>
   <p:notesSz cx="6858000" cy="9144000"/>
@@ -243,7 +244,7 @@
           <a:p>
             <a:fld id="{21ECAD11-6D06-1C4C-B0A0-62115237B8E8}" type="datetimeFigureOut">
               <a:rPr kumimoji="1" lang="ja-JP" altLang="en-US" smtClean="0"/>
-              <a:t>2023/3/29</a:t>
+              <a:t>2023/3/31</a:t>
             </a:fld>
             <a:endParaRPr kumimoji="1" lang="ja-JP" altLang="en-US"/>
           </a:p>
@@ -445,7 +446,7 @@
           <a:p>
             <a:fld id="{21ECAD11-6D06-1C4C-B0A0-62115237B8E8}" type="datetimeFigureOut">
               <a:rPr kumimoji="1" lang="ja-JP" altLang="en-US" smtClean="0"/>
-              <a:t>2023/3/29</a:t>
+              <a:t>2023/3/31</a:t>
             </a:fld>
             <a:endParaRPr kumimoji="1" lang="ja-JP" altLang="en-US"/>
           </a:p>
@@ -657,7 +658,7 @@
           <a:p>
             <a:fld id="{21ECAD11-6D06-1C4C-B0A0-62115237B8E8}" type="datetimeFigureOut">
               <a:rPr kumimoji="1" lang="ja-JP" altLang="en-US" smtClean="0"/>
-              <a:t>2023/3/29</a:t>
+              <a:t>2023/3/31</a:t>
             </a:fld>
             <a:endParaRPr kumimoji="1" lang="ja-JP" altLang="en-US"/>
           </a:p>
@@ -859,7 +860,7 @@
           <a:p>
             <a:fld id="{21ECAD11-6D06-1C4C-B0A0-62115237B8E8}" type="datetimeFigureOut">
               <a:rPr kumimoji="1" lang="ja-JP" altLang="en-US" smtClean="0"/>
-              <a:t>2023/3/29</a:t>
+              <a:t>2023/3/31</a:t>
             </a:fld>
             <a:endParaRPr kumimoji="1" lang="ja-JP" altLang="en-US"/>
           </a:p>
@@ -1103,7 +1104,7 @@
           <a:p>
             <a:fld id="{21ECAD11-6D06-1C4C-B0A0-62115237B8E8}" type="datetimeFigureOut">
               <a:rPr kumimoji="1" lang="ja-JP" altLang="en-US" smtClean="0"/>
-              <a:t>2023/3/29</a:t>
+              <a:t>2023/3/31</a:t>
             </a:fld>
             <a:endParaRPr kumimoji="1" lang="ja-JP" altLang="en-US"/>
           </a:p>
@@ -1399,7 +1400,7 @@
           <a:p>
             <a:fld id="{21ECAD11-6D06-1C4C-B0A0-62115237B8E8}" type="datetimeFigureOut">
               <a:rPr kumimoji="1" lang="ja-JP" altLang="en-US" smtClean="0"/>
-              <a:t>2023/3/29</a:t>
+              <a:t>2023/3/31</a:t>
             </a:fld>
             <a:endParaRPr kumimoji="1" lang="ja-JP" altLang="en-US"/>
           </a:p>
@@ -1830,7 +1831,7 @@
           <a:p>
             <a:fld id="{21ECAD11-6D06-1C4C-B0A0-62115237B8E8}" type="datetimeFigureOut">
               <a:rPr kumimoji="1" lang="ja-JP" altLang="en-US" smtClean="0"/>
-              <a:t>2023/3/29</a:t>
+              <a:t>2023/3/31</a:t>
             </a:fld>
             <a:endParaRPr kumimoji="1" lang="ja-JP" altLang="en-US"/>
           </a:p>
@@ -1948,7 +1949,7 @@
           <a:p>
             <a:fld id="{21ECAD11-6D06-1C4C-B0A0-62115237B8E8}" type="datetimeFigureOut">
               <a:rPr kumimoji="1" lang="ja-JP" altLang="en-US" smtClean="0"/>
-              <a:t>2023/3/29</a:t>
+              <a:t>2023/3/31</a:t>
             </a:fld>
             <a:endParaRPr kumimoji="1" lang="ja-JP" altLang="en-US"/>
           </a:p>
@@ -2043,7 +2044,7 @@
           <a:p>
             <a:fld id="{21ECAD11-6D06-1C4C-B0A0-62115237B8E8}" type="datetimeFigureOut">
               <a:rPr kumimoji="1" lang="ja-JP" altLang="en-US" smtClean="0"/>
-              <a:t>2023/3/29</a:t>
+              <a:t>2023/3/31</a:t>
             </a:fld>
             <a:endParaRPr kumimoji="1" lang="ja-JP" altLang="en-US"/>
           </a:p>
@@ -2352,7 +2353,7 @@
           <a:p>
             <a:fld id="{21ECAD11-6D06-1C4C-B0A0-62115237B8E8}" type="datetimeFigureOut">
               <a:rPr kumimoji="1" lang="ja-JP" altLang="en-US" smtClean="0"/>
-              <a:t>2023/3/29</a:t>
+              <a:t>2023/3/31</a:t>
             </a:fld>
             <a:endParaRPr kumimoji="1" lang="ja-JP" altLang="en-US"/>
           </a:p>
@@ -2609,7 +2610,7 @@
           <a:p>
             <a:fld id="{21ECAD11-6D06-1C4C-B0A0-62115237B8E8}" type="datetimeFigureOut">
               <a:rPr kumimoji="1" lang="ja-JP" altLang="en-US" smtClean="0"/>
-              <a:t>2023/3/29</a:t>
+              <a:t>2023/3/31</a:t>
             </a:fld>
             <a:endParaRPr kumimoji="1" lang="ja-JP" altLang="en-US"/>
           </a:p>
@@ -2854,7 +2855,7 @@
           <a:p>
             <a:fld id="{21ECAD11-6D06-1C4C-B0A0-62115237B8E8}" type="datetimeFigureOut">
               <a:rPr kumimoji="1" lang="ja-JP" altLang="en-US" smtClean="0"/>
-              <a:t>2023/3/29</a:t>
+              <a:t>2023/3/31</a:t>
             </a:fld>
             <a:endParaRPr kumimoji="1" lang="ja-JP" altLang="en-US"/>
           </a:p>
@@ -3273,8 +3274,8 @@
         </p:nvSpPr>
         <p:spPr>
           <a:xfrm>
-            <a:off x="387289" y="-149599"/>
-            <a:ext cx="796246" cy="2646878"/>
+            <a:off x="24339" y="458842"/>
+            <a:ext cx="2468532" cy="1323439"/>
           </a:xfrm>
           <a:prstGeom prst="rect">
             <a:avLst/>
@@ -3287,14 +3288,22 @@
           </a:bodyPr>
           <a:lstStyle/>
           <a:p>
-            <a:r>
-              <a:rPr kumimoji="1" lang="en-US" altLang="ja-JP" sz="16600" dirty="0">
+            <a:pPr algn="ctr"/>
+            <a:r>
+              <a:rPr kumimoji="1" lang="en-US" altLang="ja-JP" sz="8000" dirty="0">
                 <a:latin typeface="HGMaruGothicMPRO" panose="020F0600000000000000" pitchFamily="34" charset="-128"/>
                 <a:ea typeface="HGMaruGothicMPRO" panose="020F0600000000000000" pitchFamily="34" charset="-128"/>
               </a:rPr>
               <a:t>D</a:t>
             </a:r>
-            <a:endParaRPr kumimoji="1" lang="ja-JP" altLang="en-US" sz="16600">
+            <a:r>
+              <a:rPr kumimoji="1" lang="en-US" altLang="ja-JP" sz="6000" dirty="0">
+                <a:latin typeface="HGMaruGothicMPRO" panose="020F0600000000000000" pitchFamily="34" charset="-128"/>
+                <a:ea typeface="HGMaruGothicMPRO" panose="020F0600000000000000" pitchFamily="34" charset="-128"/>
+              </a:rPr>
+              <a:t>og</a:t>
+            </a:r>
+            <a:endParaRPr kumimoji="1" lang="ja-JP" altLang="en-US" sz="6000" dirty="0">
               <a:latin typeface="HGMaruGothicMPRO" panose="020F0600000000000000" pitchFamily="34" charset="-128"/>
               <a:ea typeface="HGMaruGothicMPRO" panose="020F0600000000000000" pitchFamily="34" charset="-128"/>
             </a:endParaRPr>
@@ -3305,6 +3314,86 @@
     <p:extLst>
       <p:ext uri="{BB962C8B-B14F-4D97-AF65-F5344CB8AC3E}">
         <p14:creationId xmlns:p14="http://schemas.microsoft.com/office/powerpoint/2010/main" val="3206219174"/>
+      </p:ext>
+    </p:extLst>
+  </p:cSld>
+  <p:clrMapOvr>
+    <a:masterClrMapping/>
+  </p:clrMapOvr>
+</p:sld>
+</file>
+
+<file path=ppt/slides/slide2.xml><?xml version="1.0" encoding="utf-8"?>
+<p:sld xmlns:a="http://schemas.openxmlformats.org/drawingml/2006/main" xmlns:r="http://schemas.openxmlformats.org/officeDocument/2006/relationships" xmlns:p="http://schemas.openxmlformats.org/presentationml/2006/main">
+  <p:cSld>
+    <p:spTree>
+      <p:nvGrpSpPr>
+        <p:cNvPr id="1" name=""/>
+        <p:cNvGrpSpPr/>
+        <p:nvPr/>
+      </p:nvGrpSpPr>
+      <p:grpSpPr>
+        <a:xfrm>
+          <a:off x="0" y="0"/>
+          <a:ext cx="0" cy="0"/>
+          <a:chOff x="0" y="0"/>
+          <a:chExt cx="0" cy="0"/>
+        </a:xfrm>
+      </p:grpSpPr>
+      <p:sp>
+        <p:nvSpPr>
+          <p:cNvPr id="2" name="テキスト ボックス 1">
+            <a:extLst>
+              <a:ext uri="{FF2B5EF4-FFF2-40B4-BE49-F238E27FC236}">
+                <a16:creationId xmlns:a16="http://schemas.microsoft.com/office/drawing/2014/main" id="{D3A68D1D-E24D-F150-1D75-F9172847BA44}"/>
+              </a:ext>
+            </a:extLst>
+          </p:cNvPr>
+          <p:cNvSpPr txBox="1"/>
+          <p:nvPr/>
+        </p:nvSpPr>
+        <p:spPr>
+          <a:xfrm>
+            <a:off x="24339" y="458842"/>
+            <a:ext cx="2468532" cy="1323439"/>
+          </a:xfrm>
+          <a:prstGeom prst="rect">
+            <a:avLst/>
+          </a:prstGeom>
+          <a:noFill/>
+        </p:spPr>
+        <p:txBody>
+          <a:bodyPr wrap="square" rtlCol="0">
+            <a:spAutoFit/>
+          </a:bodyPr>
+          <a:lstStyle/>
+          <a:p>
+            <a:pPr algn="ctr"/>
+            <a:r>
+              <a:rPr kumimoji="1" lang="en-US" altLang="ja-JP" sz="8000" dirty="0">
+                <a:latin typeface="HGMaruGothicMPRO" panose="020F0600000000000000" pitchFamily="34" charset="-128"/>
+                <a:ea typeface="HGMaruGothicMPRO" panose="020F0600000000000000" pitchFamily="34" charset="-128"/>
+              </a:rPr>
+              <a:t>B</a:t>
+            </a:r>
+            <a:r>
+              <a:rPr kumimoji="1" lang="en-US" altLang="ja-JP" sz="6000" dirty="0">
+                <a:latin typeface="HGMaruGothicMPRO" panose="020F0600000000000000" pitchFamily="34" charset="-128"/>
+                <a:ea typeface="HGMaruGothicMPRO" panose="020F0600000000000000" pitchFamily="34" charset="-128"/>
+              </a:rPr>
+              <a:t>ear</a:t>
+            </a:r>
+            <a:endParaRPr kumimoji="1" lang="ja-JP" altLang="en-US" sz="6000" dirty="0">
+              <a:latin typeface="HGMaruGothicMPRO" panose="020F0600000000000000" pitchFamily="34" charset="-128"/>
+              <a:ea typeface="HGMaruGothicMPRO" panose="020F0600000000000000" pitchFamily="34" charset="-128"/>
+            </a:endParaRPr>
+          </a:p>
+        </p:txBody>
+      </p:sp>
+    </p:spTree>
+    <p:extLst>
+      <p:ext uri="{BB962C8B-B14F-4D97-AF65-F5344CB8AC3E}">
+        <p14:creationId xmlns:p14="http://schemas.microsoft.com/office/powerpoint/2010/main" val="15503678"/>
       </p:ext>
     </p:extLst>
   </p:cSld>

--- a/application/WebAR/markers/marker.pptx
+++ b/application/WebAR/markers/marker.pptx
@@ -7,6 +7,8 @@
   <p:sldIdLst>
     <p:sldId id="256" r:id="rId2"/>
     <p:sldId id="257" r:id="rId3"/>
+    <p:sldId id="258" r:id="rId4"/>
+    <p:sldId id="259" r:id="rId5"/>
   </p:sldIdLst>
   <p:sldSz cx="2541588" cy="2541588"/>
   <p:notesSz cx="6858000" cy="9144000"/>
@@ -3403,6 +3405,138 @@
 </p:sld>
 </file>
 
+<file path=ppt/slides/slide3.xml><?xml version="1.0" encoding="utf-8"?>
+<p:sld xmlns:a="http://schemas.openxmlformats.org/drawingml/2006/main" xmlns:r="http://schemas.openxmlformats.org/officeDocument/2006/relationships" xmlns:p="http://schemas.openxmlformats.org/presentationml/2006/main">
+  <p:cSld>
+    <p:spTree>
+      <p:nvGrpSpPr>
+        <p:cNvPr id="1" name=""/>
+        <p:cNvGrpSpPr/>
+        <p:nvPr/>
+      </p:nvGrpSpPr>
+      <p:grpSpPr>
+        <a:xfrm>
+          <a:off x="0" y="0"/>
+          <a:ext cx="0" cy="0"/>
+          <a:chOff x="0" y="0"/>
+          <a:chExt cx="0" cy="0"/>
+        </a:xfrm>
+      </p:grpSpPr>
+      <p:pic>
+        <p:nvPicPr>
+          <p:cNvPr id="4" name="グラフィックス 3" descr="犬 単色塗りつぶし">
+            <a:extLst>
+              <a:ext uri="{FF2B5EF4-FFF2-40B4-BE49-F238E27FC236}">
+                <a16:creationId xmlns:a16="http://schemas.microsoft.com/office/drawing/2014/main" id="{6EC7EC7B-C99C-4A83-7136-CA785182A681}"/>
+              </a:ext>
+            </a:extLst>
+          </p:cNvPr>
+          <p:cNvPicPr>
+            <a:picLocks noChangeAspect="1"/>
+          </p:cNvPicPr>
+          <p:nvPr/>
+        </p:nvPicPr>
+        <p:blipFill>
+          <a:blip r:embed="rId2">
+            <a:extLst>
+              <a:ext uri="{96DAC541-7B7A-43D3-8B79-37D633B846F1}">
+                <asvg:svgBlip xmlns:asvg="http://schemas.microsoft.com/office/drawing/2016/SVG/main" r:embed="rId3"/>
+              </a:ext>
+            </a:extLst>
+          </a:blip>
+          <a:stretch>
+            <a:fillRect/>
+          </a:stretch>
+        </p:blipFill>
+        <p:spPr>
+          <a:xfrm>
+            <a:off x="24339" y="24339"/>
+            <a:ext cx="2517249" cy="2517249"/>
+          </a:xfrm>
+          <a:prstGeom prst="rect">
+            <a:avLst/>
+          </a:prstGeom>
+        </p:spPr>
+      </p:pic>
+    </p:spTree>
+    <p:extLst>
+      <p:ext uri="{BB962C8B-B14F-4D97-AF65-F5344CB8AC3E}">
+        <p14:creationId xmlns:p14="http://schemas.microsoft.com/office/powerpoint/2010/main" val="333481512"/>
+      </p:ext>
+    </p:extLst>
+  </p:cSld>
+  <p:clrMapOvr>
+    <a:masterClrMapping/>
+  </p:clrMapOvr>
+</p:sld>
+</file>
+
+<file path=ppt/slides/slide4.xml><?xml version="1.0" encoding="utf-8"?>
+<p:sld xmlns:a="http://schemas.openxmlformats.org/drawingml/2006/main" xmlns:r="http://schemas.openxmlformats.org/officeDocument/2006/relationships" xmlns:p="http://schemas.openxmlformats.org/presentationml/2006/main">
+  <p:cSld>
+    <p:spTree>
+      <p:nvGrpSpPr>
+        <p:cNvPr id="1" name=""/>
+        <p:cNvGrpSpPr/>
+        <p:nvPr/>
+      </p:nvGrpSpPr>
+      <p:grpSpPr>
+        <a:xfrm>
+          <a:off x="0" y="0"/>
+          <a:ext cx="0" cy="0"/>
+          <a:chOff x="0" y="0"/>
+          <a:chExt cx="0" cy="0"/>
+        </a:xfrm>
+      </p:grpSpPr>
+      <p:pic>
+        <p:nvPicPr>
+          <p:cNvPr id="5" name="グラフィックス 4" descr="熊 単色塗りつぶし">
+            <a:extLst>
+              <a:ext uri="{FF2B5EF4-FFF2-40B4-BE49-F238E27FC236}">
+                <a16:creationId xmlns:a16="http://schemas.microsoft.com/office/drawing/2014/main" id="{7D584094-3D7D-FE46-A29B-E5743EAE686D}"/>
+              </a:ext>
+            </a:extLst>
+          </p:cNvPr>
+          <p:cNvPicPr>
+            <a:picLocks noChangeAspect="1"/>
+          </p:cNvPicPr>
+          <p:nvPr/>
+        </p:nvPicPr>
+        <p:blipFill>
+          <a:blip r:embed="rId2">
+            <a:extLst>
+              <a:ext uri="{96DAC541-7B7A-43D3-8B79-37D633B846F1}">
+                <asvg:svgBlip xmlns:asvg="http://schemas.microsoft.com/office/drawing/2016/SVG/main" r:embed="rId3"/>
+              </a:ext>
+            </a:extLst>
+          </a:blip>
+          <a:stretch>
+            <a:fillRect/>
+          </a:stretch>
+        </p:blipFill>
+        <p:spPr>
+          <a:xfrm>
+            <a:off x="0" y="0"/>
+            <a:ext cx="2541588" cy="2541588"/>
+          </a:xfrm>
+          <a:prstGeom prst="rect">
+            <a:avLst/>
+          </a:prstGeom>
+        </p:spPr>
+      </p:pic>
+    </p:spTree>
+    <p:extLst>
+      <p:ext uri="{BB962C8B-B14F-4D97-AF65-F5344CB8AC3E}">
+        <p14:creationId xmlns:p14="http://schemas.microsoft.com/office/powerpoint/2010/main" val="3944565996"/>
+      </p:ext>
+    </p:extLst>
+  </p:cSld>
+  <p:clrMapOvr>
+    <a:masterClrMapping/>
+  </p:clrMapOvr>
+</p:sld>
+</file>
+
 <file path=ppt/theme/theme1.xml><?xml version="1.0" encoding="utf-8"?>
 <a:theme xmlns:a="http://schemas.openxmlformats.org/drawingml/2006/main" name="Office テーマ">
   <a:themeElements>

--- a/application/WebAR/markers/marker.pptx
+++ b/application/WebAR/markers/marker.pptx
@@ -9,6 +9,9 @@
     <p:sldId id="257" r:id="rId3"/>
     <p:sldId id="258" r:id="rId4"/>
     <p:sldId id="259" r:id="rId5"/>
+    <p:sldId id="260" r:id="rId6"/>
+    <p:sldId id="261" r:id="rId7"/>
+    <p:sldId id="262" r:id="rId8"/>
   </p:sldIdLst>
   <p:sldSz cx="2541588" cy="2541588"/>
   <p:notesSz cx="6858000" cy="9144000"/>
@@ -3537,6 +3540,225 @@
 </p:sld>
 </file>
 
+<file path=ppt/slides/slide5.xml><?xml version="1.0" encoding="utf-8"?>
+<p:sld xmlns:a="http://schemas.openxmlformats.org/drawingml/2006/main" xmlns:r="http://schemas.openxmlformats.org/officeDocument/2006/relationships" xmlns:p="http://schemas.openxmlformats.org/presentationml/2006/main">
+  <p:cSld>
+    <p:spTree>
+      <p:nvGrpSpPr>
+        <p:cNvPr id="1" name=""/>
+        <p:cNvGrpSpPr/>
+        <p:nvPr/>
+      </p:nvGrpSpPr>
+      <p:grpSpPr>
+        <a:xfrm>
+          <a:off x="0" y="0"/>
+          <a:ext cx="0" cy="0"/>
+          <a:chOff x="0" y="0"/>
+          <a:chExt cx="0" cy="0"/>
+        </a:xfrm>
+      </p:grpSpPr>
+      <p:sp>
+        <p:nvSpPr>
+          <p:cNvPr id="2" name="テキスト ボックス 1">
+            <a:extLst>
+              <a:ext uri="{FF2B5EF4-FFF2-40B4-BE49-F238E27FC236}">
+                <a16:creationId xmlns:a16="http://schemas.microsoft.com/office/drawing/2014/main" id="{00FD6177-EEAB-2920-9260-703B6B12AFD0}"/>
+              </a:ext>
+            </a:extLst>
+          </p:cNvPr>
+          <p:cNvSpPr txBox="1"/>
+          <p:nvPr/>
+        </p:nvSpPr>
+        <p:spPr>
+          <a:xfrm>
+            <a:off x="29516" y="138491"/>
+            <a:ext cx="2468532" cy="2215991"/>
+          </a:xfrm>
+          <a:prstGeom prst="rect">
+            <a:avLst/>
+          </a:prstGeom>
+          <a:noFill/>
+        </p:spPr>
+        <p:txBody>
+          <a:bodyPr wrap="square" rtlCol="0">
+            <a:spAutoFit/>
+          </a:bodyPr>
+          <a:lstStyle/>
+          <a:p>
+            <a:pPr algn="ctr"/>
+            <a:r>
+              <a:rPr kumimoji="1" lang="ja-JP" altLang="en-US" sz="13800" dirty="0">
+                <a:latin typeface="HGP創英角ｺﾞｼｯｸUB" panose="020B0900000000000000" pitchFamily="50" charset="-128"/>
+                <a:ea typeface="HGP創英角ｺﾞｼｯｸUB" panose="020B0900000000000000" pitchFamily="50" charset="-128"/>
+              </a:rPr>
+              <a:t>壱</a:t>
+            </a:r>
+            <a:endParaRPr kumimoji="1" lang="ja-JP" altLang="en-US" sz="8800" dirty="0">
+              <a:latin typeface="HGP創英角ｺﾞｼｯｸUB" panose="020B0900000000000000" pitchFamily="50" charset="-128"/>
+              <a:ea typeface="HGP創英角ｺﾞｼｯｸUB" panose="020B0900000000000000" pitchFamily="50" charset="-128"/>
+            </a:endParaRPr>
+          </a:p>
+        </p:txBody>
+      </p:sp>
+    </p:spTree>
+    <p:extLst>
+      <p:ext uri="{BB962C8B-B14F-4D97-AF65-F5344CB8AC3E}">
+        <p14:creationId xmlns:p14="http://schemas.microsoft.com/office/powerpoint/2010/main" val="270687925"/>
+      </p:ext>
+    </p:extLst>
+  </p:cSld>
+  <p:clrMapOvr>
+    <a:masterClrMapping/>
+  </p:clrMapOvr>
+</p:sld>
+</file>
+
+<file path=ppt/slides/slide6.xml><?xml version="1.0" encoding="utf-8"?>
+<p:sld xmlns:a="http://schemas.openxmlformats.org/drawingml/2006/main" xmlns:r="http://schemas.openxmlformats.org/officeDocument/2006/relationships" xmlns:p="http://schemas.openxmlformats.org/presentationml/2006/main">
+  <p:cSld>
+    <p:spTree>
+      <p:nvGrpSpPr>
+        <p:cNvPr id="1" name=""/>
+        <p:cNvGrpSpPr/>
+        <p:nvPr/>
+      </p:nvGrpSpPr>
+      <p:grpSpPr>
+        <a:xfrm>
+          <a:off x="0" y="0"/>
+          <a:ext cx="0" cy="0"/>
+          <a:chOff x="0" y="0"/>
+          <a:chExt cx="0" cy="0"/>
+        </a:xfrm>
+      </p:grpSpPr>
+      <p:sp>
+        <p:nvSpPr>
+          <p:cNvPr id="2" name="テキスト ボックス 1">
+            <a:extLst>
+              <a:ext uri="{FF2B5EF4-FFF2-40B4-BE49-F238E27FC236}">
+                <a16:creationId xmlns:a16="http://schemas.microsoft.com/office/drawing/2014/main" id="{00FD6177-EEAB-2920-9260-703B6B12AFD0}"/>
+              </a:ext>
+            </a:extLst>
+          </p:cNvPr>
+          <p:cNvSpPr txBox="1"/>
+          <p:nvPr/>
+        </p:nvSpPr>
+        <p:spPr>
+          <a:xfrm>
+            <a:off x="29516" y="138491"/>
+            <a:ext cx="2468532" cy="2215991"/>
+          </a:xfrm>
+          <a:prstGeom prst="rect">
+            <a:avLst/>
+          </a:prstGeom>
+          <a:noFill/>
+        </p:spPr>
+        <p:txBody>
+          <a:bodyPr wrap="square" rtlCol="0">
+            <a:spAutoFit/>
+          </a:bodyPr>
+          <a:lstStyle/>
+          <a:p>
+            <a:pPr algn="ctr"/>
+            <a:r>
+              <a:rPr kumimoji="1" lang="ja-JP" altLang="en-US" sz="13800" dirty="0">
+                <a:latin typeface="HGP創英角ｺﾞｼｯｸUB" panose="020B0900000000000000" pitchFamily="50" charset="-128"/>
+                <a:ea typeface="HGP創英角ｺﾞｼｯｸUB" panose="020B0900000000000000" pitchFamily="50" charset="-128"/>
+              </a:rPr>
+              <a:t>弐</a:t>
+            </a:r>
+            <a:endParaRPr kumimoji="1" lang="ja-JP" altLang="en-US" sz="8800" dirty="0">
+              <a:latin typeface="HGP創英角ｺﾞｼｯｸUB" panose="020B0900000000000000" pitchFamily="50" charset="-128"/>
+              <a:ea typeface="HGP創英角ｺﾞｼｯｸUB" panose="020B0900000000000000" pitchFamily="50" charset="-128"/>
+            </a:endParaRPr>
+          </a:p>
+        </p:txBody>
+      </p:sp>
+    </p:spTree>
+    <p:extLst>
+      <p:ext uri="{BB962C8B-B14F-4D97-AF65-F5344CB8AC3E}">
+        <p14:creationId xmlns:p14="http://schemas.microsoft.com/office/powerpoint/2010/main" val="2181875296"/>
+      </p:ext>
+    </p:extLst>
+  </p:cSld>
+  <p:clrMapOvr>
+    <a:masterClrMapping/>
+  </p:clrMapOvr>
+</p:sld>
+</file>
+
+<file path=ppt/slides/slide7.xml><?xml version="1.0" encoding="utf-8"?>
+<p:sld xmlns:a="http://schemas.openxmlformats.org/drawingml/2006/main" xmlns:r="http://schemas.openxmlformats.org/officeDocument/2006/relationships" xmlns:p="http://schemas.openxmlformats.org/presentationml/2006/main">
+  <p:cSld>
+    <p:spTree>
+      <p:nvGrpSpPr>
+        <p:cNvPr id="1" name=""/>
+        <p:cNvGrpSpPr/>
+        <p:nvPr/>
+      </p:nvGrpSpPr>
+      <p:grpSpPr>
+        <a:xfrm>
+          <a:off x="0" y="0"/>
+          <a:ext cx="0" cy="0"/>
+          <a:chOff x="0" y="0"/>
+          <a:chExt cx="0" cy="0"/>
+        </a:xfrm>
+      </p:grpSpPr>
+      <p:sp>
+        <p:nvSpPr>
+          <p:cNvPr id="2" name="テキスト ボックス 1">
+            <a:extLst>
+              <a:ext uri="{FF2B5EF4-FFF2-40B4-BE49-F238E27FC236}">
+                <a16:creationId xmlns:a16="http://schemas.microsoft.com/office/drawing/2014/main" id="{00FD6177-EEAB-2920-9260-703B6B12AFD0}"/>
+              </a:ext>
+            </a:extLst>
+          </p:cNvPr>
+          <p:cNvSpPr txBox="1"/>
+          <p:nvPr/>
+        </p:nvSpPr>
+        <p:spPr>
+          <a:xfrm>
+            <a:off x="29516" y="138491"/>
+            <a:ext cx="2468532" cy="2215991"/>
+          </a:xfrm>
+          <a:prstGeom prst="rect">
+            <a:avLst/>
+          </a:prstGeom>
+          <a:noFill/>
+        </p:spPr>
+        <p:txBody>
+          <a:bodyPr wrap="square" rtlCol="0">
+            <a:spAutoFit/>
+          </a:bodyPr>
+          <a:lstStyle/>
+          <a:p>
+            <a:pPr algn="ctr"/>
+            <a:r>
+              <a:rPr kumimoji="1" lang="ja-JP" altLang="en-US" sz="13800" dirty="0">
+                <a:latin typeface="HGP創英角ｺﾞｼｯｸUB" panose="020B0900000000000000" pitchFamily="50" charset="-128"/>
+                <a:ea typeface="HGP創英角ｺﾞｼｯｸUB" panose="020B0900000000000000" pitchFamily="50" charset="-128"/>
+              </a:rPr>
+              <a:t>参</a:t>
+            </a:r>
+            <a:endParaRPr kumimoji="1" lang="ja-JP" altLang="en-US" sz="8800" dirty="0">
+              <a:latin typeface="HGP創英角ｺﾞｼｯｸUB" panose="020B0900000000000000" pitchFamily="50" charset="-128"/>
+              <a:ea typeface="HGP創英角ｺﾞｼｯｸUB" panose="020B0900000000000000" pitchFamily="50" charset="-128"/>
+            </a:endParaRPr>
+          </a:p>
+        </p:txBody>
+      </p:sp>
+    </p:spTree>
+    <p:extLst>
+      <p:ext uri="{BB962C8B-B14F-4D97-AF65-F5344CB8AC3E}">
+        <p14:creationId xmlns:p14="http://schemas.microsoft.com/office/powerpoint/2010/main" val="656533691"/>
+      </p:ext>
+    </p:extLst>
+  </p:cSld>
+  <p:clrMapOvr>
+    <a:masterClrMapping/>
+  </p:clrMapOvr>
+</p:sld>
+</file>
+
 <file path=ppt/theme/theme1.xml><?xml version="1.0" encoding="utf-8"?>
 <a:theme xmlns:a="http://schemas.openxmlformats.org/drawingml/2006/main" name="Office テーマ">
   <a:themeElements>

--- a/application/WebAR/markers/marker.pptx
+++ b/application/WebAR/markers/marker.pptx
@@ -9,9 +9,12 @@
     <p:sldId id="257" r:id="rId3"/>
     <p:sldId id="258" r:id="rId4"/>
     <p:sldId id="259" r:id="rId5"/>
-    <p:sldId id="260" r:id="rId6"/>
-    <p:sldId id="261" r:id="rId7"/>
-    <p:sldId id="262" r:id="rId8"/>
+    <p:sldId id="264" r:id="rId6"/>
+    <p:sldId id="265" r:id="rId7"/>
+    <p:sldId id="260" r:id="rId8"/>
+    <p:sldId id="261" r:id="rId9"/>
+    <p:sldId id="262" r:id="rId10"/>
+    <p:sldId id="263" r:id="rId11"/>
   </p:sldIdLst>
   <p:sldSz cx="2541588" cy="2541588"/>
   <p:notesSz cx="6858000" cy="9144000"/>
@@ -249,7 +252,7 @@
           <a:p>
             <a:fld id="{21ECAD11-6D06-1C4C-B0A0-62115237B8E8}" type="datetimeFigureOut">
               <a:rPr kumimoji="1" lang="ja-JP" altLang="en-US" smtClean="0"/>
-              <a:t>2023/3/31</a:t>
+              <a:t>2023/4/1</a:t>
             </a:fld>
             <a:endParaRPr kumimoji="1" lang="ja-JP" altLang="en-US"/>
           </a:p>
@@ -451,7 +454,7 @@
           <a:p>
             <a:fld id="{21ECAD11-6D06-1C4C-B0A0-62115237B8E8}" type="datetimeFigureOut">
               <a:rPr kumimoji="1" lang="ja-JP" altLang="en-US" smtClean="0"/>
-              <a:t>2023/3/31</a:t>
+              <a:t>2023/4/1</a:t>
             </a:fld>
             <a:endParaRPr kumimoji="1" lang="ja-JP" altLang="en-US"/>
           </a:p>
@@ -663,7 +666,7 @@
           <a:p>
             <a:fld id="{21ECAD11-6D06-1C4C-B0A0-62115237B8E8}" type="datetimeFigureOut">
               <a:rPr kumimoji="1" lang="ja-JP" altLang="en-US" smtClean="0"/>
-              <a:t>2023/3/31</a:t>
+              <a:t>2023/4/1</a:t>
             </a:fld>
             <a:endParaRPr kumimoji="1" lang="ja-JP" altLang="en-US"/>
           </a:p>
@@ -865,7 +868,7 @@
           <a:p>
             <a:fld id="{21ECAD11-6D06-1C4C-B0A0-62115237B8E8}" type="datetimeFigureOut">
               <a:rPr kumimoji="1" lang="ja-JP" altLang="en-US" smtClean="0"/>
-              <a:t>2023/3/31</a:t>
+              <a:t>2023/4/1</a:t>
             </a:fld>
             <a:endParaRPr kumimoji="1" lang="ja-JP" altLang="en-US"/>
           </a:p>
@@ -1109,7 +1112,7 @@
           <a:p>
             <a:fld id="{21ECAD11-6D06-1C4C-B0A0-62115237B8E8}" type="datetimeFigureOut">
               <a:rPr kumimoji="1" lang="ja-JP" altLang="en-US" smtClean="0"/>
-              <a:t>2023/3/31</a:t>
+              <a:t>2023/4/1</a:t>
             </a:fld>
             <a:endParaRPr kumimoji="1" lang="ja-JP" altLang="en-US"/>
           </a:p>
@@ -1405,7 +1408,7 @@
           <a:p>
             <a:fld id="{21ECAD11-6D06-1C4C-B0A0-62115237B8E8}" type="datetimeFigureOut">
               <a:rPr kumimoji="1" lang="ja-JP" altLang="en-US" smtClean="0"/>
-              <a:t>2023/3/31</a:t>
+              <a:t>2023/4/1</a:t>
             </a:fld>
             <a:endParaRPr kumimoji="1" lang="ja-JP" altLang="en-US"/>
           </a:p>
@@ -1836,7 +1839,7 @@
           <a:p>
             <a:fld id="{21ECAD11-6D06-1C4C-B0A0-62115237B8E8}" type="datetimeFigureOut">
               <a:rPr kumimoji="1" lang="ja-JP" altLang="en-US" smtClean="0"/>
-              <a:t>2023/3/31</a:t>
+              <a:t>2023/4/1</a:t>
             </a:fld>
             <a:endParaRPr kumimoji="1" lang="ja-JP" altLang="en-US"/>
           </a:p>
@@ -1954,7 +1957,7 @@
           <a:p>
             <a:fld id="{21ECAD11-6D06-1C4C-B0A0-62115237B8E8}" type="datetimeFigureOut">
               <a:rPr kumimoji="1" lang="ja-JP" altLang="en-US" smtClean="0"/>
-              <a:t>2023/3/31</a:t>
+              <a:t>2023/4/1</a:t>
             </a:fld>
             <a:endParaRPr kumimoji="1" lang="ja-JP" altLang="en-US"/>
           </a:p>
@@ -2049,7 +2052,7 @@
           <a:p>
             <a:fld id="{21ECAD11-6D06-1C4C-B0A0-62115237B8E8}" type="datetimeFigureOut">
               <a:rPr kumimoji="1" lang="ja-JP" altLang="en-US" smtClean="0"/>
-              <a:t>2023/3/31</a:t>
+              <a:t>2023/4/1</a:t>
             </a:fld>
             <a:endParaRPr kumimoji="1" lang="ja-JP" altLang="en-US"/>
           </a:p>
@@ -2358,7 +2361,7 @@
           <a:p>
             <a:fld id="{21ECAD11-6D06-1C4C-B0A0-62115237B8E8}" type="datetimeFigureOut">
               <a:rPr kumimoji="1" lang="ja-JP" altLang="en-US" smtClean="0"/>
-              <a:t>2023/3/31</a:t>
+              <a:t>2023/4/1</a:t>
             </a:fld>
             <a:endParaRPr kumimoji="1" lang="ja-JP" altLang="en-US"/>
           </a:p>
@@ -2615,7 +2618,7 @@
           <a:p>
             <a:fld id="{21ECAD11-6D06-1C4C-B0A0-62115237B8E8}" type="datetimeFigureOut">
               <a:rPr kumimoji="1" lang="ja-JP" altLang="en-US" smtClean="0"/>
-              <a:t>2023/3/31</a:t>
+              <a:t>2023/4/1</a:t>
             </a:fld>
             <a:endParaRPr kumimoji="1" lang="ja-JP" altLang="en-US"/>
           </a:p>
@@ -2860,7 +2863,7 @@
           <a:p>
             <a:fld id="{21ECAD11-6D06-1C4C-B0A0-62115237B8E8}" type="datetimeFigureOut">
               <a:rPr kumimoji="1" lang="ja-JP" altLang="en-US" smtClean="0"/>
-              <a:t>2023/3/31</a:t>
+              <a:t>2023/4/1</a:t>
             </a:fld>
             <a:endParaRPr kumimoji="1" lang="ja-JP" altLang="en-US"/>
           </a:p>
@@ -3328,6 +3331,176 @@
 </p:sld>
 </file>
 
+<file path=ppt/slides/slide10.xml><?xml version="1.0" encoding="utf-8"?>
+<p:sld xmlns:a="http://schemas.openxmlformats.org/drawingml/2006/main" xmlns:r="http://schemas.openxmlformats.org/officeDocument/2006/relationships" xmlns:p="http://schemas.openxmlformats.org/presentationml/2006/main">
+  <p:cSld>
+    <p:spTree>
+      <p:nvGrpSpPr>
+        <p:cNvPr id="1" name=""/>
+        <p:cNvGrpSpPr/>
+        <p:nvPr/>
+      </p:nvGrpSpPr>
+      <p:grpSpPr>
+        <a:xfrm>
+          <a:off x="0" y="0"/>
+          <a:ext cx="0" cy="0"/>
+          <a:chOff x="0" y="0"/>
+          <a:chExt cx="0" cy="0"/>
+        </a:xfrm>
+      </p:grpSpPr>
+      <p:pic>
+        <p:nvPicPr>
+          <p:cNvPr id="5" name="図 4" descr="アイコン&#10;&#10;自動的に生成された説明">
+            <a:extLst>
+              <a:ext uri="{FF2B5EF4-FFF2-40B4-BE49-F238E27FC236}">
+                <a16:creationId xmlns:a16="http://schemas.microsoft.com/office/drawing/2014/main" id="{C1E3EFC3-FF46-40DA-BA44-293EFA7A891C}"/>
+              </a:ext>
+            </a:extLst>
+          </p:cNvPr>
+          <p:cNvPicPr>
+            <a:picLocks noChangeAspect="1"/>
+          </p:cNvPicPr>
+          <p:nvPr/>
+        </p:nvPicPr>
+        <p:blipFill>
+          <a:blip r:embed="rId2"/>
+          <a:stretch>
+            <a:fillRect/>
+          </a:stretch>
+        </p:blipFill>
+        <p:spPr>
+          <a:xfrm>
+            <a:off x="9330" y="6220"/>
+            <a:ext cx="720000" cy="720000"/>
+          </a:xfrm>
+          <a:prstGeom prst="rect">
+            <a:avLst/>
+          </a:prstGeom>
+          <a:ln>
+            <a:solidFill>
+              <a:schemeClr val="tx1"/>
+            </a:solidFill>
+          </a:ln>
+        </p:spPr>
+      </p:pic>
+      <p:pic>
+        <p:nvPicPr>
+          <p:cNvPr id="7" name="図 6" descr="アイコン&#10;&#10;自動的に生成された説明">
+            <a:extLst>
+              <a:ext uri="{FF2B5EF4-FFF2-40B4-BE49-F238E27FC236}">
+                <a16:creationId xmlns:a16="http://schemas.microsoft.com/office/drawing/2014/main" id="{5EC8BCB3-5279-1071-1673-3B70D0C27F6C}"/>
+              </a:ext>
+            </a:extLst>
+          </p:cNvPr>
+          <p:cNvPicPr>
+            <a:picLocks noChangeAspect="1"/>
+          </p:cNvPicPr>
+          <p:nvPr/>
+        </p:nvPicPr>
+        <p:blipFill>
+          <a:blip r:embed="rId3"/>
+          <a:stretch>
+            <a:fillRect/>
+          </a:stretch>
+        </p:blipFill>
+        <p:spPr>
+          <a:xfrm>
+            <a:off x="729330" y="6220"/>
+            <a:ext cx="720000" cy="720000"/>
+          </a:xfrm>
+          <a:prstGeom prst="rect">
+            <a:avLst/>
+          </a:prstGeom>
+          <a:ln>
+            <a:solidFill>
+              <a:schemeClr val="tx1"/>
+            </a:solidFill>
+          </a:ln>
+        </p:spPr>
+      </p:pic>
+      <p:pic>
+        <p:nvPicPr>
+          <p:cNvPr id="3" name="図 2" descr="アイコン&#10;&#10;自動的に生成された説明">
+            <a:extLst>
+              <a:ext uri="{FF2B5EF4-FFF2-40B4-BE49-F238E27FC236}">
+                <a16:creationId xmlns:a16="http://schemas.microsoft.com/office/drawing/2014/main" id="{862681B6-03FA-4938-56F6-0021BFFB0E4B}"/>
+              </a:ext>
+            </a:extLst>
+          </p:cNvPr>
+          <p:cNvPicPr>
+            <a:picLocks noChangeAspect="1"/>
+          </p:cNvPicPr>
+          <p:nvPr/>
+        </p:nvPicPr>
+        <p:blipFill>
+          <a:blip r:embed="rId4"/>
+          <a:stretch>
+            <a:fillRect/>
+          </a:stretch>
+        </p:blipFill>
+        <p:spPr>
+          <a:xfrm>
+            <a:off x="9330" y="726220"/>
+            <a:ext cx="720000" cy="720000"/>
+          </a:xfrm>
+          <a:prstGeom prst="rect">
+            <a:avLst/>
+          </a:prstGeom>
+          <a:ln w="6350">
+            <a:solidFill>
+              <a:schemeClr val="tx1"/>
+            </a:solidFill>
+          </a:ln>
+        </p:spPr>
+      </p:pic>
+      <p:pic>
+        <p:nvPicPr>
+          <p:cNvPr id="6" name="図 5" descr="アイコン&#10;&#10;自動的に生成された説明">
+            <a:extLst>
+              <a:ext uri="{FF2B5EF4-FFF2-40B4-BE49-F238E27FC236}">
+                <a16:creationId xmlns:a16="http://schemas.microsoft.com/office/drawing/2014/main" id="{E9A440EF-12A3-055D-2A85-FB024BC29DFE}"/>
+              </a:ext>
+            </a:extLst>
+          </p:cNvPr>
+          <p:cNvPicPr>
+            <a:picLocks noChangeAspect="1"/>
+          </p:cNvPicPr>
+          <p:nvPr/>
+        </p:nvPicPr>
+        <p:blipFill>
+          <a:blip r:embed="rId5"/>
+          <a:stretch>
+            <a:fillRect/>
+          </a:stretch>
+        </p:blipFill>
+        <p:spPr>
+          <a:xfrm>
+            <a:off x="729330" y="726220"/>
+            <a:ext cx="720000" cy="720000"/>
+          </a:xfrm>
+          <a:prstGeom prst="rect">
+            <a:avLst/>
+          </a:prstGeom>
+          <a:ln w="6350">
+            <a:solidFill>
+              <a:schemeClr val="tx1"/>
+            </a:solidFill>
+          </a:ln>
+        </p:spPr>
+      </p:pic>
+    </p:spTree>
+    <p:extLst>
+      <p:ext uri="{BB962C8B-B14F-4D97-AF65-F5344CB8AC3E}">
+        <p14:creationId xmlns:p14="http://schemas.microsoft.com/office/powerpoint/2010/main" val="3804995489"/>
+      </p:ext>
+    </p:extLst>
+  </p:cSld>
+  <p:clrMapOvr>
+    <a:masterClrMapping/>
+  </p:clrMapOvr>
+</p:sld>
+</file>
+
 <file path=ppt/slides/slide2.xml><?xml version="1.0" encoding="utf-8"?>
 <p:sld xmlns:a="http://schemas.openxmlformats.org/drawingml/2006/main" xmlns:r="http://schemas.openxmlformats.org/officeDocument/2006/relationships" xmlns:p="http://schemas.openxmlformats.org/presentationml/2006/main">
   <p:cSld>
@@ -3557,53 +3730,46 @@
           <a:chExt cx="0" cy="0"/>
         </a:xfrm>
       </p:grpSpPr>
-      <p:sp>
-        <p:nvSpPr>
-          <p:cNvPr id="2" name="テキスト ボックス 1">
+      <p:pic>
+        <p:nvPicPr>
+          <p:cNvPr id="3" name="グラフィックス 2" descr="家 単色塗りつぶし">
             <a:extLst>
               <a:ext uri="{FF2B5EF4-FFF2-40B4-BE49-F238E27FC236}">
-                <a16:creationId xmlns:a16="http://schemas.microsoft.com/office/drawing/2014/main" id="{00FD6177-EEAB-2920-9260-703B6B12AFD0}"/>
+                <a16:creationId xmlns:a16="http://schemas.microsoft.com/office/drawing/2014/main" id="{497EC693-B1F5-758F-C8CB-AEFED354E26C}"/>
               </a:ext>
             </a:extLst>
           </p:cNvPr>
-          <p:cNvSpPr txBox="1"/>
+          <p:cNvPicPr>
+            <a:picLocks noChangeAspect="1"/>
+          </p:cNvPicPr>
           <p:nvPr/>
-        </p:nvSpPr>
+        </p:nvPicPr>
+        <p:blipFill>
+          <a:blip r:embed="rId2">
+            <a:extLst>
+              <a:ext uri="{96DAC541-7B7A-43D3-8B79-37D633B846F1}">
+                <asvg:svgBlip xmlns:asvg="http://schemas.microsoft.com/office/drawing/2016/SVG/main" r:embed="rId3"/>
+              </a:ext>
+            </a:extLst>
+          </a:blip>
+          <a:stretch>
+            <a:fillRect/>
+          </a:stretch>
+        </p:blipFill>
         <p:spPr>
           <a:xfrm>
-            <a:off x="29516" y="138491"/>
-            <a:ext cx="2468532" cy="2215991"/>
+            <a:off x="0" y="0"/>
+            <a:ext cx="2541588" cy="2541588"/>
           </a:xfrm>
           <a:prstGeom prst="rect">
             <a:avLst/>
           </a:prstGeom>
-          <a:noFill/>
         </p:spPr>
-        <p:txBody>
-          <a:bodyPr wrap="square" rtlCol="0">
-            <a:spAutoFit/>
-          </a:bodyPr>
-          <a:lstStyle/>
-          <a:p>
-            <a:pPr algn="ctr"/>
-            <a:r>
-              <a:rPr kumimoji="1" lang="ja-JP" altLang="en-US" sz="13800" dirty="0">
-                <a:latin typeface="HGP創英角ｺﾞｼｯｸUB" panose="020B0900000000000000" pitchFamily="50" charset="-128"/>
-                <a:ea typeface="HGP創英角ｺﾞｼｯｸUB" panose="020B0900000000000000" pitchFamily="50" charset="-128"/>
-              </a:rPr>
-              <a:t>壱</a:t>
-            </a:r>
-            <a:endParaRPr kumimoji="1" lang="ja-JP" altLang="en-US" sz="8800" dirty="0">
-              <a:latin typeface="HGP創英角ｺﾞｼｯｸUB" panose="020B0900000000000000" pitchFamily="50" charset="-128"/>
-              <a:ea typeface="HGP創英角ｺﾞｼｯｸUB" panose="020B0900000000000000" pitchFamily="50" charset="-128"/>
-            </a:endParaRPr>
-          </a:p>
-        </p:txBody>
-      </p:sp>
+      </p:pic>
     </p:spTree>
     <p:extLst>
       <p:ext uri="{BB962C8B-B14F-4D97-AF65-F5344CB8AC3E}">
-        <p14:creationId xmlns:p14="http://schemas.microsoft.com/office/powerpoint/2010/main" val="270687925"/>
+        <p14:creationId xmlns:p14="http://schemas.microsoft.com/office/powerpoint/2010/main" val="2687299987"/>
       </p:ext>
     </p:extLst>
   </p:cSld>
@@ -3630,6 +3796,145 @@
           <a:chExt cx="0" cy="0"/>
         </a:xfrm>
       </p:grpSpPr>
+      <p:pic>
+        <p:nvPicPr>
+          <p:cNvPr id="4" name="グラフィックス 3" descr="ホーム 単色塗りつぶし">
+            <a:extLst>
+              <a:ext uri="{FF2B5EF4-FFF2-40B4-BE49-F238E27FC236}">
+                <a16:creationId xmlns:a16="http://schemas.microsoft.com/office/drawing/2014/main" id="{7E3D3F62-0B33-48B5-6B81-818D96AE865C}"/>
+              </a:ext>
+            </a:extLst>
+          </p:cNvPr>
+          <p:cNvPicPr>
+            <a:picLocks noChangeAspect="1"/>
+          </p:cNvPicPr>
+          <p:nvPr/>
+        </p:nvPicPr>
+        <p:blipFill>
+          <a:blip r:embed="rId2">
+            <a:extLst>
+              <a:ext uri="{96DAC541-7B7A-43D3-8B79-37D633B846F1}">
+                <asvg:svgBlip xmlns:asvg="http://schemas.microsoft.com/office/drawing/2016/SVG/main" r:embed="rId3"/>
+              </a:ext>
+            </a:extLst>
+          </a:blip>
+          <a:stretch>
+            <a:fillRect/>
+          </a:stretch>
+        </p:blipFill>
+        <p:spPr>
+          <a:xfrm>
+            <a:off x="0" y="0"/>
+            <a:ext cx="2541588" cy="2541588"/>
+          </a:xfrm>
+          <a:prstGeom prst="rect">
+            <a:avLst/>
+          </a:prstGeom>
+        </p:spPr>
+      </p:pic>
+    </p:spTree>
+    <p:extLst>
+      <p:ext uri="{BB962C8B-B14F-4D97-AF65-F5344CB8AC3E}">
+        <p14:creationId xmlns:p14="http://schemas.microsoft.com/office/powerpoint/2010/main" val="2755577083"/>
+      </p:ext>
+    </p:extLst>
+  </p:cSld>
+  <p:clrMapOvr>
+    <a:masterClrMapping/>
+  </p:clrMapOvr>
+</p:sld>
+</file>
+
+<file path=ppt/slides/slide7.xml><?xml version="1.0" encoding="utf-8"?>
+<p:sld xmlns:a="http://schemas.openxmlformats.org/drawingml/2006/main" xmlns:r="http://schemas.openxmlformats.org/officeDocument/2006/relationships" xmlns:p="http://schemas.openxmlformats.org/presentationml/2006/main">
+  <p:cSld>
+    <p:spTree>
+      <p:nvGrpSpPr>
+        <p:cNvPr id="1" name=""/>
+        <p:cNvGrpSpPr/>
+        <p:nvPr/>
+      </p:nvGrpSpPr>
+      <p:grpSpPr>
+        <a:xfrm>
+          <a:off x="0" y="0"/>
+          <a:ext cx="0" cy="0"/>
+          <a:chOff x="0" y="0"/>
+          <a:chExt cx="0" cy="0"/>
+        </a:xfrm>
+      </p:grpSpPr>
+      <p:sp>
+        <p:nvSpPr>
+          <p:cNvPr id="2" name="テキスト ボックス 1">
+            <a:extLst>
+              <a:ext uri="{FF2B5EF4-FFF2-40B4-BE49-F238E27FC236}">
+                <a16:creationId xmlns:a16="http://schemas.microsoft.com/office/drawing/2014/main" id="{00FD6177-EEAB-2920-9260-703B6B12AFD0}"/>
+              </a:ext>
+            </a:extLst>
+          </p:cNvPr>
+          <p:cNvSpPr txBox="1"/>
+          <p:nvPr/>
+        </p:nvSpPr>
+        <p:spPr>
+          <a:xfrm>
+            <a:off x="29516" y="138491"/>
+            <a:ext cx="2468532" cy="2215991"/>
+          </a:xfrm>
+          <a:prstGeom prst="rect">
+            <a:avLst/>
+          </a:prstGeom>
+          <a:noFill/>
+        </p:spPr>
+        <p:txBody>
+          <a:bodyPr wrap="square" rtlCol="0">
+            <a:spAutoFit/>
+          </a:bodyPr>
+          <a:lstStyle/>
+          <a:p>
+            <a:pPr algn="ctr"/>
+            <a:r>
+              <a:rPr kumimoji="1" lang="ja-JP" altLang="en-US" sz="13800" dirty="0">
+                <a:latin typeface="HGP創英角ｺﾞｼｯｸUB" panose="020B0900000000000000" pitchFamily="50" charset="-128"/>
+                <a:ea typeface="HGP創英角ｺﾞｼｯｸUB" panose="020B0900000000000000" pitchFamily="50" charset="-128"/>
+              </a:rPr>
+              <a:t>壱</a:t>
+            </a:r>
+            <a:endParaRPr kumimoji="1" lang="ja-JP" altLang="en-US" sz="8800" dirty="0">
+              <a:latin typeface="HGP創英角ｺﾞｼｯｸUB" panose="020B0900000000000000" pitchFamily="50" charset="-128"/>
+              <a:ea typeface="HGP創英角ｺﾞｼｯｸUB" panose="020B0900000000000000" pitchFamily="50" charset="-128"/>
+            </a:endParaRPr>
+          </a:p>
+        </p:txBody>
+      </p:sp>
+    </p:spTree>
+    <p:extLst>
+      <p:ext uri="{BB962C8B-B14F-4D97-AF65-F5344CB8AC3E}">
+        <p14:creationId xmlns:p14="http://schemas.microsoft.com/office/powerpoint/2010/main" val="270687925"/>
+      </p:ext>
+    </p:extLst>
+  </p:cSld>
+  <p:clrMapOvr>
+    <a:masterClrMapping/>
+  </p:clrMapOvr>
+</p:sld>
+</file>
+
+<file path=ppt/slides/slide8.xml><?xml version="1.0" encoding="utf-8"?>
+<p:sld xmlns:a="http://schemas.openxmlformats.org/drawingml/2006/main" xmlns:r="http://schemas.openxmlformats.org/officeDocument/2006/relationships" xmlns:p="http://schemas.openxmlformats.org/presentationml/2006/main">
+  <p:cSld>
+    <p:spTree>
+      <p:nvGrpSpPr>
+        <p:cNvPr id="1" name=""/>
+        <p:cNvGrpSpPr/>
+        <p:nvPr/>
+      </p:nvGrpSpPr>
+      <p:grpSpPr>
+        <a:xfrm>
+          <a:off x="0" y="0"/>
+          <a:ext cx="0" cy="0"/>
+          <a:chOff x="0" y="0"/>
+          <a:chExt cx="0" cy="0"/>
+        </a:xfrm>
+      </p:grpSpPr>
       <p:sp>
         <p:nvSpPr>
           <p:cNvPr id="2" name="テキスト ボックス 1">
@@ -3686,7 +3991,7 @@
 </p:sld>
 </file>
 
-<file path=ppt/slides/slide7.xml><?xml version="1.0" encoding="utf-8"?>
+<file path=ppt/slides/slide9.xml><?xml version="1.0" encoding="utf-8"?>
 <p:sld xmlns:a="http://schemas.openxmlformats.org/drawingml/2006/main" xmlns:r="http://schemas.openxmlformats.org/officeDocument/2006/relationships" xmlns:p="http://schemas.openxmlformats.org/presentationml/2006/main">
   <p:cSld>
     <p:spTree>

--- a/application/WebAR/markers/marker.pptx
+++ b/application/WebAR/markers/marker.pptx
@@ -252,7 +252,7 @@
           <a:p>
             <a:fld id="{21ECAD11-6D06-1C4C-B0A0-62115237B8E8}" type="datetimeFigureOut">
               <a:rPr kumimoji="1" lang="ja-JP" altLang="en-US" smtClean="0"/>
-              <a:t>2023/4/1</a:t>
+              <a:t>2023/4/2</a:t>
             </a:fld>
             <a:endParaRPr kumimoji="1" lang="ja-JP" altLang="en-US"/>
           </a:p>
@@ -454,7 +454,7 @@
           <a:p>
             <a:fld id="{21ECAD11-6D06-1C4C-B0A0-62115237B8E8}" type="datetimeFigureOut">
               <a:rPr kumimoji="1" lang="ja-JP" altLang="en-US" smtClean="0"/>
-              <a:t>2023/4/1</a:t>
+              <a:t>2023/4/2</a:t>
             </a:fld>
             <a:endParaRPr kumimoji="1" lang="ja-JP" altLang="en-US"/>
           </a:p>
@@ -666,7 +666,7 @@
           <a:p>
             <a:fld id="{21ECAD11-6D06-1C4C-B0A0-62115237B8E8}" type="datetimeFigureOut">
               <a:rPr kumimoji="1" lang="ja-JP" altLang="en-US" smtClean="0"/>
-              <a:t>2023/4/1</a:t>
+              <a:t>2023/4/2</a:t>
             </a:fld>
             <a:endParaRPr kumimoji="1" lang="ja-JP" altLang="en-US"/>
           </a:p>
@@ -868,7 +868,7 @@
           <a:p>
             <a:fld id="{21ECAD11-6D06-1C4C-B0A0-62115237B8E8}" type="datetimeFigureOut">
               <a:rPr kumimoji="1" lang="ja-JP" altLang="en-US" smtClean="0"/>
-              <a:t>2023/4/1</a:t>
+              <a:t>2023/4/2</a:t>
             </a:fld>
             <a:endParaRPr kumimoji="1" lang="ja-JP" altLang="en-US"/>
           </a:p>
@@ -1112,7 +1112,7 @@
           <a:p>
             <a:fld id="{21ECAD11-6D06-1C4C-B0A0-62115237B8E8}" type="datetimeFigureOut">
               <a:rPr kumimoji="1" lang="ja-JP" altLang="en-US" smtClean="0"/>
-              <a:t>2023/4/1</a:t>
+              <a:t>2023/4/2</a:t>
             </a:fld>
             <a:endParaRPr kumimoji="1" lang="ja-JP" altLang="en-US"/>
           </a:p>
@@ -1408,7 +1408,7 @@
           <a:p>
             <a:fld id="{21ECAD11-6D06-1C4C-B0A0-62115237B8E8}" type="datetimeFigureOut">
               <a:rPr kumimoji="1" lang="ja-JP" altLang="en-US" smtClean="0"/>
-              <a:t>2023/4/1</a:t>
+              <a:t>2023/4/2</a:t>
             </a:fld>
             <a:endParaRPr kumimoji="1" lang="ja-JP" altLang="en-US"/>
           </a:p>
@@ -1839,7 +1839,7 @@
           <a:p>
             <a:fld id="{21ECAD11-6D06-1C4C-B0A0-62115237B8E8}" type="datetimeFigureOut">
               <a:rPr kumimoji="1" lang="ja-JP" altLang="en-US" smtClean="0"/>
-              <a:t>2023/4/1</a:t>
+              <a:t>2023/4/2</a:t>
             </a:fld>
             <a:endParaRPr kumimoji="1" lang="ja-JP" altLang="en-US"/>
           </a:p>
@@ -1957,7 +1957,7 @@
           <a:p>
             <a:fld id="{21ECAD11-6D06-1C4C-B0A0-62115237B8E8}" type="datetimeFigureOut">
               <a:rPr kumimoji="1" lang="ja-JP" altLang="en-US" smtClean="0"/>
-              <a:t>2023/4/1</a:t>
+              <a:t>2023/4/2</a:t>
             </a:fld>
             <a:endParaRPr kumimoji="1" lang="ja-JP" altLang="en-US"/>
           </a:p>
@@ -2052,7 +2052,7 @@
           <a:p>
             <a:fld id="{21ECAD11-6D06-1C4C-B0A0-62115237B8E8}" type="datetimeFigureOut">
               <a:rPr kumimoji="1" lang="ja-JP" altLang="en-US" smtClean="0"/>
-              <a:t>2023/4/1</a:t>
+              <a:t>2023/4/2</a:t>
             </a:fld>
             <a:endParaRPr kumimoji="1" lang="ja-JP" altLang="en-US"/>
           </a:p>
@@ -2361,7 +2361,7 @@
           <a:p>
             <a:fld id="{21ECAD11-6D06-1C4C-B0A0-62115237B8E8}" type="datetimeFigureOut">
               <a:rPr kumimoji="1" lang="ja-JP" altLang="en-US" smtClean="0"/>
-              <a:t>2023/4/1</a:t>
+              <a:t>2023/4/2</a:t>
             </a:fld>
             <a:endParaRPr kumimoji="1" lang="ja-JP" altLang="en-US"/>
           </a:p>
@@ -2618,7 +2618,7 @@
           <a:p>
             <a:fld id="{21ECAD11-6D06-1C4C-B0A0-62115237B8E8}" type="datetimeFigureOut">
               <a:rPr kumimoji="1" lang="ja-JP" altLang="en-US" smtClean="0"/>
-              <a:t>2023/4/1</a:t>
+              <a:t>2023/4/2</a:t>
             </a:fld>
             <a:endParaRPr kumimoji="1" lang="ja-JP" altLang="en-US"/>
           </a:p>
@@ -2863,7 +2863,7 @@
           <a:p>
             <a:fld id="{21ECAD11-6D06-1C4C-B0A0-62115237B8E8}" type="datetimeFigureOut">
               <a:rPr kumimoji="1" lang="ja-JP" altLang="en-US" smtClean="0"/>
-              <a:t>2023/4/1</a:t>
+              <a:t>2023/4/2</a:t>
             </a:fld>
             <a:endParaRPr kumimoji="1" lang="ja-JP" altLang="en-US"/>
           </a:p>
@@ -3488,6 +3488,146 @@
           </a:ln>
         </p:spPr>
       </p:pic>
+      <p:pic>
+        <p:nvPicPr>
+          <p:cNvPr id="4" name="図 3" descr="ロゴ&#10;&#10;自動的に生成された説明">
+            <a:extLst>
+              <a:ext uri="{FF2B5EF4-FFF2-40B4-BE49-F238E27FC236}">
+                <a16:creationId xmlns:a16="http://schemas.microsoft.com/office/drawing/2014/main" id="{1EC1C282-956E-93C3-7E68-F01C1E253455}"/>
+              </a:ext>
+            </a:extLst>
+          </p:cNvPr>
+          <p:cNvPicPr>
+            <a:picLocks noChangeAspect="1"/>
+          </p:cNvPicPr>
+          <p:nvPr/>
+        </p:nvPicPr>
+        <p:blipFill>
+          <a:blip r:embed="rId6"/>
+          <a:stretch>
+            <a:fillRect/>
+          </a:stretch>
+        </p:blipFill>
+        <p:spPr>
+          <a:xfrm>
+            <a:off x="1453359" y="-345"/>
+            <a:ext cx="720000" cy="720000"/>
+          </a:xfrm>
+          <a:prstGeom prst="rect">
+            <a:avLst/>
+          </a:prstGeom>
+          <a:ln>
+            <a:solidFill>
+              <a:schemeClr val="tx1"/>
+            </a:solidFill>
+          </a:ln>
+        </p:spPr>
+      </p:pic>
+      <p:pic>
+        <p:nvPicPr>
+          <p:cNvPr id="9" name="図 8" descr="ロゴ&#10;&#10;自動的に生成された説明">
+            <a:extLst>
+              <a:ext uri="{FF2B5EF4-FFF2-40B4-BE49-F238E27FC236}">
+                <a16:creationId xmlns:a16="http://schemas.microsoft.com/office/drawing/2014/main" id="{F8879972-BF42-1C77-F334-5E32F68D4FA3}"/>
+              </a:ext>
+            </a:extLst>
+          </p:cNvPr>
+          <p:cNvPicPr>
+            <a:picLocks noChangeAspect="1"/>
+          </p:cNvPicPr>
+          <p:nvPr/>
+        </p:nvPicPr>
+        <p:blipFill>
+          <a:blip r:embed="rId7"/>
+          <a:stretch>
+            <a:fillRect/>
+          </a:stretch>
+        </p:blipFill>
+        <p:spPr>
+          <a:xfrm>
+            <a:off x="1452785" y="733131"/>
+            <a:ext cx="716545" cy="716545"/>
+          </a:xfrm>
+          <a:prstGeom prst="rect">
+            <a:avLst/>
+          </a:prstGeom>
+          <a:ln>
+            <a:solidFill>
+              <a:schemeClr val="tx1"/>
+            </a:solidFill>
+          </a:ln>
+        </p:spPr>
+      </p:pic>
+      <p:pic>
+        <p:nvPicPr>
+          <p:cNvPr id="11" name="図 10" descr="救急箱, 時計, 挿絵, テーブル が含まれている画像&#10;&#10;自動的に生成された説明">
+            <a:extLst>
+              <a:ext uri="{FF2B5EF4-FFF2-40B4-BE49-F238E27FC236}">
+                <a16:creationId xmlns:a16="http://schemas.microsoft.com/office/drawing/2014/main" id="{4072AD0A-5C60-1091-25B2-1E40AFBF5530}"/>
+              </a:ext>
+            </a:extLst>
+          </p:cNvPr>
+          <p:cNvPicPr>
+            <a:picLocks noChangeAspect="1"/>
+          </p:cNvPicPr>
+          <p:nvPr/>
+        </p:nvPicPr>
+        <p:blipFill>
+          <a:blip r:embed="rId8"/>
+          <a:stretch>
+            <a:fillRect/>
+          </a:stretch>
+        </p:blipFill>
+        <p:spPr>
+          <a:xfrm>
+            <a:off x="1719" y="1452786"/>
+            <a:ext cx="720000" cy="720000"/>
+          </a:xfrm>
+          <a:prstGeom prst="rect">
+            <a:avLst/>
+          </a:prstGeom>
+          <a:ln>
+            <a:solidFill>
+              <a:schemeClr val="tx1"/>
+            </a:solidFill>
+          </a:ln>
+        </p:spPr>
+      </p:pic>
+      <p:pic>
+        <p:nvPicPr>
+          <p:cNvPr id="13" name="図 12" descr="時計, 挿絵, テーブル が含まれている画像&#10;&#10;自動的に生成された説明">
+            <a:extLst>
+              <a:ext uri="{FF2B5EF4-FFF2-40B4-BE49-F238E27FC236}">
+                <a16:creationId xmlns:a16="http://schemas.microsoft.com/office/drawing/2014/main" id="{D722A2D3-43AF-B8A0-070C-50793D177E09}"/>
+              </a:ext>
+            </a:extLst>
+          </p:cNvPr>
+          <p:cNvPicPr>
+            <a:picLocks noChangeAspect="1"/>
+          </p:cNvPicPr>
+          <p:nvPr/>
+        </p:nvPicPr>
+        <p:blipFill>
+          <a:blip r:embed="rId9"/>
+          <a:stretch>
+            <a:fillRect/>
+          </a:stretch>
+        </p:blipFill>
+        <p:spPr>
+          <a:xfrm>
+            <a:off x="721719" y="1455668"/>
+            <a:ext cx="726220" cy="726220"/>
+          </a:xfrm>
+          <a:prstGeom prst="rect">
+            <a:avLst/>
+          </a:prstGeom>
+          <a:ln>
+            <a:solidFill>
+              <a:schemeClr val="tx1"/>
+            </a:solidFill>
+          </a:ln>
+        </p:spPr>
+      </p:pic>
     </p:spTree>
     <p:extLst>
       <p:ext uri="{BB962C8B-B14F-4D97-AF65-F5344CB8AC3E}">
